--- a/project/Analysis of civilian infrastructure management across the world.pptx
+++ b/project/Analysis of civilian infrastructure management across the world.pptx
@@ -12,14 +12,14 @@
     <p:sldId id="263" r:id="rId6"/>
     <p:sldId id="257" r:id="rId7"/>
     <p:sldId id="265" r:id="rId8"/>
-    <p:sldId id="264" r:id="rId9"/>
-    <p:sldId id="266" r:id="rId10"/>
-    <p:sldId id="267" r:id="rId11"/>
-    <p:sldId id="268" r:id="rId12"/>
-    <p:sldId id="269" r:id="rId13"/>
-    <p:sldId id="270" r:id="rId14"/>
-    <p:sldId id="271" r:id="rId15"/>
-    <p:sldId id="272" r:id="rId16"/>
+    <p:sldId id="275" r:id="rId9"/>
+    <p:sldId id="264" r:id="rId10"/>
+    <p:sldId id="276" r:id="rId11"/>
+    <p:sldId id="266" r:id="rId12"/>
+    <p:sldId id="277" r:id="rId13"/>
+    <p:sldId id="273" r:id="rId14"/>
+    <p:sldId id="267" r:id="rId15"/>
+    <p:sldId id="268" r:id="rId16"/>
   </p:sldIdLst>
   <p:sldSz cx="9144000" cy="6858000" type="screen4x3"/>
   <p:notesSz cx="6858000" cy="9144000"/>
@@ -4006,7 +4006,11 @@
           <a:bodyPr/>
           <a:lstStyle/>
           <a:p>
-            <a:endParaRPr lang="en-US"/>
+            <a:r>
+              <a:rPr lang="en-US" dirty="0" smtClean="0"/>
+              <a:t>                 Case Study</a:t>
+            </a:r>
+            <a:endParaRPr lang="en-US" dirty="0"/>
           </a:p>
         </p:txBody>
       </p:sp>
@@ -4066,10 +4070,27 @@
         </p:nvSpPr>
         <p:spPr/>
         <p:txBody>
-          <a:bodyPr/>
-          <a:lstStyle/>
-          <a:p>
-            <a:endParaRPr lang="en-US"/>
+          <a:bodyPr>
+            <a:normAutofit fontScale="90000"/>
+          </a:bodyPr>
+          <a:lstStyle/>
+          <a:p>
+            <a:r>
+              <a:rPr lang="en-US" dirty="0" smtClean="0"/>
+              <a:t>    Possible Modifications and         </a:t>
+            </a:r>
+            <a:br>
+              <a:rPr lang="en-US" dirty="0" smtClean="0"/>
+            </a:br>
+            <a:r>
+              <a:rPr lang="en-US" dirty="0" smtClean="0"/>
+              <a:t> </a:t>
+            </a:r>
+            <a:r>
+              <a:rPr lang="en-US" dirty="0" smtClean="0"/>
+              <a:t>              implementations</a:t>
+            </a:r>
+            <a:endParaRPr lang="en-US" dirty="0"/>
           </a:p>
         </p:txBody>
       </p:sp>
@@ -4129,10 +4150,27 @@
         </p:nvSpPr>
         <p:spPr/>
         <p:txBody>
-          <a:bodyPr/>
-          <a:lstStyle/>
-          <a:p>
-            <a:endParaRPr lang="en-US"/>
+          <a:bodyPr>
+            <a:normAutofit fontScale="90000"/>
+          </a:bodyPr>
+          <a:lstStyle/>
+          <a:p>
+            <a:r>
+              <a:rPr lang="en-US" dirty="0" smtClean="0"/>
+              <a:t>    Possible Modifications and         </a:t>
+            </a:r>
+            <a:br>
+              <a:rPr lang="en-US" dirty="0" smtClean="0"/>
+            </a:br>
+            <a:r>
+              <a:rPr lang="en-US" dirty="0" smtClean="0"/>
+              <a:t> </a:t>
+            </a:r>
+            <a:r>
+              <a:rPr lang="en-US" dirty="0" smtClean="0"/>
+              <a:t>              implementations</a:t>
+            </a:r>
+            <a:endParaRPr lang="en-US" dirty="0"/>
           </a:p>
         </p:txBody>
       </p:sp>
@@ -4195,7 +4233,11 @@
           <a:bodyPr/>
           <a:lstStyle/>
           <a:p>
-            <a:endParaRPr lang="en-US"/>
+            <a:r>
+              <a:rPr lang="en-US" dirty="0" smtClean="0"/>
+              <a:t>    Contribution from citizens</a:t>
+            </a:r>
+            <a:endParaRPr lang="en-US" dirty="0"/>
           </a:p>
         </p:txBody>
       </p:sp>
@@ -4258,7 +4300,11 @@
           <a:bodyPr/>
           <a:lstStyle/>
           <a:p>
-            <a:endParaRPr lang="en-US"/>
+            <a:r>
+              <a:rPr lang="en-US" dirty="0" smtClean="0"/>
+              <a:t>         Future prediction</a:t>
+            </a:r>
+            <a:endParaRPr lang="en-US" dirty="0"/>
           </a:p>
         </p:txBody>
       </p:sp>
@@ -4321,7 +4367,11 @@
           <a:bodyPr/>
           <a:lstStyle/>
           <a:p>
-            <a:endParaRPr lang="en-US"/>
+            <a:r>
+              <a:rPr lang="en-US" dirty="0" smtClean="0"/>
+              <a:t>                 References</a:t>
+            </a:r>
+            <a:endParaRPr lang="en-US" dirty="0"/>
           </a:p>
         </p:txBody>
       </p:sp>
@@ -4781,12 +4831,14 @@
         </p:nvSpPr>
         <p:spPr/>
         <p:txBody>
-          <a:bodyPr/>
-          <a:lstStyle/>
-          <a:p>
-            <a:r>
-              <a:rPr lang="en-US" smtClean="0"/>
-              <a:t> </a:t>
+          <a:bodyPr>
+            <a:normAutofit/>
+          </a:bodyPr>
+          <a:lstStyle/>
+          <a:p>
+            <a:r>
+              <a:rPr lang="en-US" dirty="0" smtClean="0"/>
+              <a:t>        Synthesis of Solutions</a:t>
             </a:r>
             <a:endParaRPr lang="en-US" dirty="0"/>
           </a:p>
@@ -4848,10 +4900,16 @@
         </p:nvSpPr>
         <p:spPr/>
         <p:txBody>
-          <a:bodyPr/>
-          <a:lstStyle/>
-          <a:p>
-            <a:endParaRPr lang="en-US"/>
+          <a:bodyPr>
+            <a:normAutofit fontScale="90000"/>
+          </a:bodyPr>
+          <a:lstStyle/>
+          <a:p>
+            <a:r>
+              <a:rPr lang="en-US" dirty="0" smtClean="0"/>
+              <a:t>   Analyzing existing Methodologies</a:t>
+            </a:r>
+            <a:endParaRPr lang="en-US" dirty="0"/>
           </a:p>
         </p:txBody>
       </p:sp>
@@ -4911,10 +4969,16 @@
         </p:nvSpPr>
         <p:spPr/>
         <p:txBody>
-          <a:bodyPr/>
-          <a:lstStyle/>
-          <a:p>
-            <a:endParaRPr lang="en-US"/>
+          <a:bodyPr>
+            <a:normAutofit fontScale="90000"/>
+          </a:bodyPr>
+          <a:lstStyle/>
+          <a:p>
+            <a:r>
+              <a:rPr lang="en-US" dirty="0" smtClean="0"/>
+              <a:t>   Analyzing existing Methodologies</a:t>
+            </a:r>
+            <a:endParaRPr lang="en-US" dirty="0"/>
           </a:p>
         </p:txBody>
       </p:sp>
@@ -4977,7 +5041,11 @@
           <a:bodyPr/>
           <a:lstStyle/>
           <a:p>
-            <a:endParaRPr lang="en-US"/>
+            <a:r>
+              <a:rPr lang="en-US" dirty="0" smtClean="0"/>
+              <a:t>                 Case Study</a:t>
+            </a:r>
+            <a:endParaRPr lang="en-US" dirty="0"/>
           </a:p>
         </p:txBody>
       </p:sp>
